--- a/assets/images/courses/ruler.pptx
+++ b/assets/images/courses/ruler.pptx
@@ -104,6 +104,11 @@
       </a:defRPr>
     </a:lvl9pPr>
   </p:defaultTextStyle>
+  <p:extLst>
+    <p:ext uri="{EFAFB233-063F-42B5-8137-9DF3F51BA10A}">
+      <p15:sldGuideLst xmlns:p15="http://schemas.microsoft.com/office/powerpoint/2012/main"/>
+    </p:ext>
+  </p:extLst>
 </p:presentation>
 </file>
 
@@ -3374,10 +3379,10 @@
       </p:pic>
       <p:pic>
         <p:nvPicPr>
-          <p:cNvPr id="5" name="图片 4">
-            <a:extLst>
-              <a:ext uri="{FF2B5EF4-FFF2-40B4-BE49-F238E27FC236}">
-                <a16:creationId xmlns:a16="http://schemas.microsoft.com/office/drawing/2014/main" id="{BF0283CC-3A2F-CAA9-3C43-052B9ED09BDE}"/>
+          <p:cNvPr id="3" name="图片 2">
+            <a:extLst>
+              <a:ext uri="{FF2B5EF4-FFF2-40B4-BE49-F238E27FC236}">
+                <a16:creationId xmlns:a16="http://schemas.microsoft.com/office/drawing/2014/main" id="{236CAE0A-D6B6-0863-EB30-7B7A8BE2C9B3}"/>
               </a:ext>
             </a:extLst>
           </p:cNvPr>
@@ -3388,13 +3393,13 @@
         </p:nvPicPr>
         <p:blipFill rotWithShape="1">
           <a:blip r:embed="rId3"/>
-          <a:srcRect t="10954" b="8822"/>
+          <a:srcRect l="6210" r="12660"/>
           <a:stretch/>
         </p:blipFill>
         <p:spPr>
           <a:xfrm>
-            <a:off x="0" y="639340"/>
-            <a:ext cx="7772400" cy="4682168"/>
+            <a:off x="1101687" y="-1"/>
+            <a:ext cx="7772401" cy="4682167"/>
           </a:xfrm>
           <a:prstGeom prst="rect">
             <a:avLst/>

--- a/assets/images/courses/ruler.pptx
+++ b/assets/images/courses/ruler.pptx
@@ -3379,10 +3379,10 @@
       </p:pic>
       <p:pic>
         <p:nvPicPr>
-          <p:cNvPr id="3" name="图片 2">
-            <a:extLst>
-              <a:ext uri="{FF2B5EF4-FFF2-40B4-BE49-F238E27FC236}">
-                <a16:creationId xmlns:a16="http://schemas.microsoft.com/office/drawing/2014/main" id="{236CAE0A-D6B6-0863-EB30-7B7A8BE2C9B3}"/>
+          <p:cNvPr id="8" name="图片 7">
+            <a:extLst>
+              <a:ext uri="{FF2B5EF4-FFF2-40B4-BE49-F238E27FC236}">
+                <a16:creationId xmlns:a16="http://schemas.microsoft.com/office/drawing/2014/main" id="{605C4955-57E6-6D38-7950-9F4450A9A1D5}"/>
               </a:ext>
             </a:extLst>
           </p:cNvPr>
@@ -3393,13 +3393,13 @@
         </p:nvPicPr>
         <p:blipFill rotWithShape="1">
           <a:blip r:embed="rId3"/>
-          <a:srcRect l="6210" r="12660"/>
+          <a:srcRect l="25090" t="6177" r="422"/>
           <a:stretch/>
         </p:blipFill>
         <p:spPr>
           <a:xfrm>
-            <a:off x="1101687" y="-1"/>
-            <a:ext cx="7772401" cy="4682167"/>
+            <a:off x="1046603" y="760163"/>
+            <a:ext cx="7772401" cy="4682168"/>
           </a:xfrm>
           <a:prstGeom prst="rect">
             <a:avLst/>
